--- a/ps-template.pptx
+++ b/ps-template.pptx
@@ -109,7 +109,18 @@
   </p:defaultTextStyle>
   <p:extLst>
     <p:ext uri="{EFAFB233-063F-42B5-8137-9DF3F51BA10A}">
-      <p15:sldGuideLst xmlns:p15="http://schemas.microsoft.com/office/powerpoint/2012/main"/>
+      <p15:sldGuideLst xmlns:p15="http://schemas.microsoft.com/office/powerpoint/2012/main">
+        <p15:guide id="1" orient="horz" pos="3336" userDrawn="1">
+          <p15:clr>
+            <a:srgbClr val="A4A3A4"/>
+          </p15:clr>
+        </p15:guide>
+        <p15:guide id="2" pos="3840" userDrawn="1">
+          <p15:clr>
+            <a:srgbClr val="A4A3A4"/>
+          </p15:clr>
+        </p15:guide>
+      </p15:sldGuideLst>
     </p:ext>
     <p:ext uri="{2D200454-40CA-4A62-9FC3-DE9A4176ACB9}">
       <p15:notesGuideLst xmlns:p15="http://schemas.microsoft.com/office/powerpoint/2012/main"/>
@@ -200,7 +211,7 @@
           <a:p>
             <a:fld id="{BE1B5227-671A-4331-BA8E-6A194D65408B}" type="datetimeFigureOut">
               <a:rPr lang="en-US" smtClean="0"/>
-              <a:t>6/21/16</a:t>
+              <a:t>8/9/16</a:t>
             </a:fld>
             <a:endParaRPr lang="en-US"/>
           </a:p>
@@ -365,7 +376,7 @@
           <a:p>
             <a:fld id="{27872E6B-C85C-424E-AD51-4389090A2C7D}" type="datetimeFigureOut">
               <a:rPr lang="en-US" smtClean="0"/>
-              <a:t>6/21/16</a:t>
+              <a:t>8/9/16</a:t>
             </a:fld>
             <a:endParaRPr lang="en-US"/>
           </a:p>
@@ -712,15 +723,11 @@
             </a:r>
             <a:r>
               <a:rPr lang="en-US" dirty="0" err="1" smtClean="0"/>
-              <a:t>bensullins</a:t>
-            </a:r>
-            <a:r>
-              <a:rPr lang="en-US" dirty="0" smtClean="0"/>
-              <a:t>   </a:t>
-            </a:r>
-            <a:r>
-              <a:rPr lang="en-US" dirty="0" err="1" smtClean="0"/>
-              <a:t>bensullins.com</a:t>
+              <a:t>authortwitter</a:t>
+            </a:r>
+            <a:r>
+              <a:rPr lang="en-US" dirty="0" smtClean="0"/>
+              <a:t>   www.authorsite.com</a:t>
             </a:r>
             <a:endParaRPr lang="en-US" dirty="0"/>
           </a:p>
@@ -784,7 +791,7 @@
             <a:pPr lvl="0"/>
             <a:r>
               <a:rPr lang="en-US" dirty="0" smtClean="0"/>
-              <a:t>DATA GEEK</a:t>
+              <a:t>AUTHOR TITLE IN ALL CAPS  </a:t>
             </a:r>
             <a:endParaRPr lang="en-US" dirty="0"/>
           </a:p>
@@ -846,11 +853,52 @@
             <a:pPr lvl="0"/>
             <a:r>
               <a:rPr lang="en-US" dirty="0" smtClean="0"/>
-              <a:t>Ben </a:t>
-            </a:r>
-            <a:r>
-              <a:rPr lang="en-US" dirty="0" err="1" smtClean="0"/>
-              <a:t>Sullins</a:t>
+              <a:t>Author Name</a:t>
+            </a:r>
+            <a:endParaRPr lang="en-US" dirty="0"/>
+          </a:p>
+        </p:txBody>
+      </p:sp>
+      <p:sp>
+        <p:nvSpPr>
+          <p:cNvPr id="9" name="Picture Placeholder 2"/>
+          <p:cNvSpPr>
+            <a:spLocks noGrp="1"/>
+          </p:cNvSpPr>
+          <p:nvPr>
+            <p:ph type="pic" sz="quarter" idx="15" hasCustomPrompt="1"/>
+          </p:nvPr>
+        </p:nvSpPr>
+        <p:spPr>
+          <a:xfrm>
+            <a:off x="963976" y="4623383"/>
+            <a:ext cx="1627632" cy="1627632"/>
+          </a:xfrm>
+          <a:prstGeom prst="ellipse">
+            <a:avLst/>
+          </a:prstGeom>
+          <a:noFill/>
+          <a:ln>
+            <a:solidFill>
+              <a:srgbClr val="F8F8F8"/>
+            </a:solidFill>
+          </a:ln>
+        </p:spPr>
+        <p:txBody>
+          <a:bodyPr anchor="ctr"/>
+          <a:lstStyle>
+            <a:lvl1pPr algn="ctr">
+              <a:defRPr sz="2000" b="0" i="0">
+                <a:latin typeface="Gotham Book" panose="02000604040000020004" pitchFamily="50" charset="0"/>
+                <a:ea typeface="Gotham Book" panose="02000604040000020004" pitchFamily="50" charset="0"/>
+                <a:cs typeface="Gotham Book" panose="02000604040000020004" pitchFamily="50" charset="0"/>
+              </a:defRPr>
+            </a:lvl1pPr>
+          </a:lstStyle>
+          <a:p>
+            <a:r>
+              <a:rPr lang="en-US" dirty="0" smtClean="0"/>
+              <a:t>Click to add author photo</a:t>
             </a:r>
             <a:endParaRPr lang="en-US" dirty="0"/>
           </a:p>
@@ -980,42 +1028,16 @@
           <a:p>
             <a:r>
               <a:rPr lang="en-US" dirty="0" smtClean="0"/>
-              <a:t>Course/Module Title in Title Case</a:t>
+              <a:t>Course/Module Title in </a:t>
+            </a:r>
+            <a:r>
+              <a:rPr lang="en-US" dirty="0" err="1" smtClean="0"/>
+              <a:t>Titlecase</a:t>
             </a:r>
             <a:endParaRPr lang="en-US" dirty="0"/>
           </a:p>
         </p:txBody>
       </p:sp>
-      <p:pic>
-        <p:nvPicPr>
-          <p:cNvPr id="2" name="Picture 1"/>
-          <p:cNvPicPr>
-            <a:picLocks noChangeAspect="1"/>
-          </p:cNvPicPr>
-          <p:nvPr userDrawn="1"/>
-        </p:nvPicPr>
-        <p:blipFill>
-          <a:blip r:embed="rId2">
-            <a:extLst>
-              <a:ext uri="{28A0092B-C50C-407E-A947-70E740481C1C}">
-                <a14:useLocalDpi xmlns:a14="http://schemas.microsoft.com/office/drawing/2010/main" val="0"/>
-              </a:ext>
-            </a:extLst>
-          </a:blip>
-          <a:stretch>
-            <a:fillRect/>
-          </a:stretch>
-        </p:blipFill>
-        <p:spPr>
-          <a:xfrm>
-            <a:off x="960120" y="4626864"/>
-            <a:ext cx="1627632" cy="1627632"/>
-          </a:xfrm>
-          <a:prstGeom prst="rect">
-            <a:avLst/>
-          </a:prstGeom>
-        </p:spPr>
-      </p:pic>
     </p:spTree>
     <p:extLst>
       <p:ext uri="{BB962C8B-B14F-4D97-AF65-F5344CB8AC3E}">
@@ -1178,7 +1200,11 @@
           <a:p>
             <a:r>
               <a:rPr lang="en-US" dirty="0" smtClean="0"/>
-              <a:t>Click to Add Slide Title in Title Case</a:t>
+              <a:t>Click to Add Slide Title in </a:t>
+            </a:r>
+            <a:r>
+              <a:rPr lang="en-US" dirty="0" err="1" smtClean="0"/>
+              <a:t>Titlecase</a:t>
             </a:r>
             <a:endParaRPr lang="en-US" dirty="0"/>
           </a:p>
@@ -1404,7 +1430,11 @@
           <a:p>
             <a:r>
               <a:rPr lang="en-US" dirty="0" smtClean="0"/>
-              <a:t>Click to Add Slide Title in Title Case</a:t>
+              <a:t>Click to Add Slide Title in </a:t>
+            </a:r>
+            <a:r>
+              <a:rPr lang="en-US" dirty="0" err="1" smtClean="0"/>
+              <a:t>Titlecase</a:t>
             </a:r>
             <a:endParaRPr lang="en-US" dirty="0"/>
           </a:p>
@@ -1672,7 +1702,11 @@
           <a:p>
             <a:r>
               <a:rPr lang="en-US" dirty="0" smtClean="0"/>
-              <a:t>Click to Add Slide Title in Title Case</a:t>
+              <a:t>Click to Add Slide Title in </a:t>
+            </a:r>
+            <a:r>
+              <a:rPr lang="en-US" dirty="0" err="1" smtClean="0"/>
+              <a:t>Titlecase</a:t>
             </a:r>
             <a:endParaRPr lang="en-US" dirty="0"/>
           </a:p>
@@ -1982,7 +2016,11 @@
           <a:p>
             <a:r>
               <a:rPr lang="en-US" dirty="0" smtClean="0"/>
-              <a:t>Click to Add Slide Title in Title Case</a:t>
+              <a:t>Click to Add Slide Title in </a:t>
+            </a:r>
+            <a:r>
+              <a:rPr lang="en-US" dirty="0" err="1" smtClean="0"/>
+              <a:t>Titlecase</a:t>
             </a:r>
             <a:endParaRPr lang="en-US" dirty="0"/>
           </a:p>
@@ -2334,7 +2372,11 @@
           <a:p>
             <a:r>
               <a:rPr lang="en-US" dirty="0" smtClean="0"/>
-              <a:t>Click to Add Slide Title in Title Case</a:t>
+              <a:t>Click to Add Slide Title in </a:t>
+            </a:r>
+            <a:r>
+              <a:rPr lang="en-US" dirty="0" err="1" smtClean="0"/>
+              <a:t>Titlecase</a:t>
             </a:r>
             <a:endParaRPr lang="en-US" dirty="0"/>
           </a:p>
@@ -2568,7 +2610,11 @@
           <a:p>
             <a:r>
               <a:rPr lang="en-US" dirty="0" smtClean="0"/>
-              <a:t>Click to Add Slide Title in Title Case</a:t>
+              <a:t>Click to Add Slide Title in </a:t>
+            </a:r>
+            <a:r>
+              <a:rPr lang="en-US" dirty="0" err="1" smtClean="0"/>
+              <a:t>Titlecase</a:t>
             </a:r>
             <a:endParaRPr lang="en-US" dirty="0"/>
           </a:p>
@@ -2857,7 +2903,11 @@
           <a:p>
             <a:r>
               <a:rPr lang="en-US" dirty="0" smtClean="0"/>
-              <a:t>Click to Add Slide Title in Title Case</a:t>
+              <a:t>Click to Add Slide Title in </a:t>
+            </a:r>
+            <a:r>
+              <a:rPr lang="en-US" dirty="0" err="1" smtClean="0"/>
+              <a:t>Titlecase</a:t>
             </a:r>
             <a:endParaRPr lang="en-US" dirty="0"/>
           </a:p>
@@ -3115,7 +3165,11 @@
           <a:p>
             <a:r>
               <a:rPr lang="en-US" dirty="0" smtClean="0"/>
-              <a:t>Click to Add Slide Title in Title Case</a:t>
+              <a:t>Click to Add Slide Title in </a:t>
+            </a:r>
+            <a:r>
+              <a:rPr lang="en-US" dirty="0" err="1" smtClean="0"/>
+              <a:t>Titlecase</a:t>
             </a:r>
             <a:endParaRPr lang="en-US" dirty="0"/>
           </a:p>
@@ -3291,7 +3345,11 @@
           <a:p>
             <a:r>
               <a:rPr lang="en-US" dirty="0" smtClean="0"/>
-              <a:t>Click to Add Slide Title in Title Case</a:t>
+              <a:t>Click to Add Slide Title in </a:t>
+            </a:r>
+            <a:r>
+              <a:rPr lang="en-US" dirty="0" err="1" smtClean="0"/>
+              <a:t>Titlecase</a:t>
             </a:r>
             <a:endParaRPr lang="en-US" dirty="0"/>
           </a:p>
@@ -3414,7 +3472,7 @@
           </a:xfrm>
         </p:spPr>
         <p:txBody>
-          <a:bodyPr anchor="ctr"/>
+          <a:bodyPr anchor="t"/>
           <a:lstStyle>
             <a:lvl1pPr marL="0" indent="0">
               <a:spcBef>
@@ -3592,7 +3650,7 @@
 
 <file path=ppt/slideLayouts/slideLayout2.xml><?xml version="1.0" encoding="utf-8"?>
 <p:sldLayout xmlns:a="http://schemas.openxmlformats.org/drawingml/2006/main" xmlns:r="http://schemas.openxmlformats.org/officeDocument/2006/relationships" xmlns:p="http://schemas.openxmlformats.org/presentationml/2006/main" preserve="1" userDrawn="1">
-  <p:cSld name="Overview/Summary">
+  <p:cSld name="Module Overview/Summary">
     <p:spTree>
       <p:nvGrpSpPr>
         <p:cNvPr id="1" name=""/>
@@ -4569,7 +4627,7 @@
           </a:xfrm>
         </p:spPr>
         <p:txBody>
-          <a:bodyPr anchor="ctr"/>
+          <a:bodyPr anchor="t"/>
           <a:lstStyle>
             <a:lvl1pPr marL="0" indent="0">
               <a:spcBef>
@@ -6973,7 +7031,11 @@
           <a:p>
             <a:r>
               <a:rPr lang="en-US" dirty="0" smtClean="0"/>
-              <a:t>Click to Add Slide Title in Title Case</a:t>
+              <a:t>Click to Add Slide Title in </a:t>
+            </a:r>
+            <a:r>
+              <a:rPr lang="en-US" dirty="0" err="1" smtClean="0"/>
+              <a:t>Titlecase</a:t>
             </a:r>
             <a:endParaRPr lang="en-US" dirty="0"/>
           </a:p>
@@ -7085,7 +7147,7 @@
           <a:p>
             <a:r>
               <a:rPr lang="en-US" dirty="0" smtClean="0"/>
-              <a:t>This is a short important statement to bring attention to something.</a:t>
+              <a:t>This is a short, important statement to bring attention to something.</a:t>
             </a:r>
             <a:endParaRPr lang="en-US" dirty="0"/>
           </a:p>
@@ -7488,7 +7550,11 @@
           <a:p>
             <a:r>
               <a:rPr lang="en-US" dirty="0" smtClean="0"/>
-              <a:t>Click to Add Section Header in Title Case</a:t>
+              <a:t>Click to Add Section Header in </a:t>
+            </a:r>
+            <a:r>
+              <a:rPr lang="en-US" dirty="0" err="1" smtClean="0"/>
+              <a:t>Titlecase</a:t>
             </a:r>
             <a:endParaRPr lang="en-US" dirty="0"/>
           </a:p>
@@ -7636,7 +7702,11 @@
           <a:p>
             <a:r>
               <a:rPr lang="en-US" dirty="0" smtClean="0"/>
-              <a:t>Click to Add Slide Title in Title Case</a:t>
+              <a:t>Click to Add Slide Title in </a:t>
+            </a:r>
+            <a:r>
+              <a:rPr lang="en-US" dirty="0" err="1" smtClean="0"/>
+              <a:t>Titlecase</a:t>
             </a:r>
             <a:endParaRPr lang="en-US" dirty="0"/>
           </a:p>
@@ -9144,10 +9214,11 @@
         <p:txBody>
           <a:bodyPr lIns="182880" tIns="0" rIns="182880" bIns="0"/>
           <a:lstStyle>
-            <a:lvl1pPr algn="ctr">
+            <a:lvl1pPr marL="0" indent="0" algn="ctr">
               <a:spcBef>
                 <a:spcPts val="600"/>
               </a:spcBef>
+              <a:buNone/>
               <a:defRPr sz="2000" b="0" i="0">
                 <a:latin typeface="+mn-lt"/>
                 <a:ea typeface="Gotham Book" panose="02000604040000020004" pitchFamily="50" charset="0"/>
@@ -9250,7 +9321,11 @@
           <a:p>
             <a:r>
               <a:rPr lang="en-US" dirty="0" smtClean="0"/>
-              <a:t>Click to Add Slide Title in Title Case</a:t>
+              <a:t>Click to Add Slide Title in </a:t>
+            </a:r>
+            <a:r>
+              <a:rPr lang="en-US" dirty="0" err="1" smtClean="0"/>
+              <a:t>Titlecase</a:t>
             </a:r>
             <a:endParaRPr lang="en-US" dirty="0"/>
           </a:p>
@@ -9378,7 +9453,7 @@
         </p:nvSpPr>
         <p:spPr>
           <a:xfrm>
-            <a:off x="8551579" y="1825884"/>
+            <a:off x="4817659" y="1825884"/>
             <a:ext cx="2556688" cy="2448428"/>
           </a:xfrm>
         </p:spPr>
@@ -9427,7 +9502,7 @@
         </p:nvSpPr>
         <p:spPr>
           <a:xfrm>
-            <a:off x="4843450" y="1842230"/>
+            <a:off x="8568647" y="1842230"/>
             <a:ext cx="2522550" cy="2415736"/>
           </a:xfrm>
         </p:spPr>
@@ -9538,7 +9613,11 @@
           <a:p>
             <a:r>
               <a:rPr lang="en-US" dirty="0" smtClean="0"/>
-              <a:t>Click to Add Slide Title in Title Case</a:t>
+              <a:t>Click to Add Slide Title in </a:t>
+            </a:r>
+            <a:r>
+              <a:rPr lang="en-US" dirty="0" err="1" smtClean="0"/>
+              <a:t>Titlecase</a:t>
             </a:r>
             <a:endParaRPr lang="en-US" dirty="0"/>
           </a:p>
@@ -9693,17 +9772,17 @@
       </p:grpSpPr>
       <p:sp>
         <p:nvSpPr>
-          <p:cNvPr id="12" name="Content Placeholder 11"/>
+          <p:cNvPr id="20" name="Content Placeholder 11"/>
           <p:cNvSpPr>
             <a:spLocks noGrp="1"/>
           </p:cNvSpPr>
           <p:nvPr>
-            <p:ph sz="quarter" idx="12" hasCustomPrompt="1"/>
+            <p:ph sz="quarter" idx="20" hasCustomPrompt="1"/>
           </p:nvPr>
         </p:nvSpPr>
         <p:spPr>
           <a:xfrm>
-            <a:off x="695865" y="1831340"/>
+            <a:off x="3470669" y="1831339"/>
             <a:ext cx="2503258" cy="2658533"/>
           </a:xfrm>
         </p:spPr>
@@ -9811,7 +9890,11 @@
           <a:p>
             <a:r>
               <a:rPr lang="en-US" dirty="0" smtClean="0"/>
-              <a:t>Click to Add Slide Title in Title Case</a:t>
+              <a:t>Click to Add Slide Title in </a:t>
+            </a:r>
+            <a:r>
+              <a:rPr lang="en-US" dirty="0" err="1" smtClean="0"/>
+              <a:t>Titlecase</a:t>
             </a:r>
             <a:endParaRPr lang="en-US" dirty="0"/>
           </a:p>
@@ -9819,17 +9902,17 @@
       </p:sp>
       <p:sp>
         <p:nvSpPr>
-          <p:cNvPr id="20" name="Content Placeholder 11"/>
+          <p:cNvPr id="26" name="Content Placeholder 11"/>
           <p:cNvSpPr>
             <a:spLocks noGrp="1"/>
           </p:cNvSpPr>
           <p:nvPr>
-            <p:ph sz="quarter" idx="20" hasCustomPrompt="1"/>
+            <p:ph sz="quarter" idx="23" hasCustomPrompt="1"/>
           </p:nvPr>
         </p:nvSpPr>
         <p:spPr>
           <a:xfrm>
-            <a:off x="8991098" y="1831340"/>
+            <a:off x="6245473" y="1831340"/>
             <a:ext cx="2503258" cy="2658533"/>
           </a:xfrm>
         </p:spPr>
@@ -9868,17 +9951,17 @@
       </p:sp>
       <p:sp>
         <p:nvSpPr>
-          <p:cNvPr id="26" name="Content Placeholder 11"/>
+          <p:cNvPr id="27" name="Content Placeholder 11"/>
           <p:cNvSpPr>
             <a:spLocks noGrp="1"/>
           </p:cNvSpPr>
           <p:nvPr>
-            <p:ph sz="quarter" idx="23" hasCustomPrompt="1"/>
+            <p:ph sz="quarter" idx="24" hasCustomPrompt="1"/>
           </p:nvPr>
         </p:nvSpPr>
         <p:spPr>
           <a:xfrm>
-            <a:off x="3464068" y="1831340"/>
+            <a:off x="8982231" y="1831340"/>
             <a:ext cx="2503258" cy="2658533"/>
           </a:xfrm>
         </p:spPr>
@@ -9917,17 +10000,137 @@
       </p:sp>
       <p:sp>
         <p:nvSpPr>
-          <p:cNvPr id="27" name="Content Placeholder 11"/>
+          <p:cNvPr id="34" name="Text Placeholder 3"/>
           <p:cNvSpPr>
             <a:spLocks noGrp="1"/>
           </p:cNvSpPr>
           <p:nvPr>
-            <p:ph sz="quarter" idx="24" hasCustomPrompt="1"/>
+            <p:ph type="body" sz="quarter" idx="25" hasCustomPrompt="1"/>
           </p:nvPr>
         </p:nvSpPr>
         <p:spPr>
           <a:xfrm>
-            <a:off x="6227583" y="1831340"/>
+            <a:off x="3464068" y="4683936"/>
+            <a:ext cx="2503258" cy="1231106"/>
+          </a:xfrm>
+        </p:spPr>
+        <p:txBody>
+          <a:bodyPr lIns="182880" tIns="0" rIns="182880" bIns="0"/>
+          <a:lstStyle>
+            <a:lvl1pPr marL="0" indent="0" algn="ctr">
+              <a:spcBef>
+                <a:spcPts val="600"/>
+              </a:spcBef>
+              <a:buNone/>
+              <a:defRPr sz="2000" b="0" i="0">
+                <a:latin typeface="+mn-lt"/>
+                <a:ea typeface="Gotham Book" panose="02000604040000020004" pitchFamily="50" charset="0"/>
+                <a:cs typeface="Gotham Book" panose="02000604040000020004" pitchFamily="50" charset="0"/>
+              </a:defRPr>
+            </a:lvl1pPr>
+          </a:lstStyle>
+          <a:p>
+            <a:pPr lvl="0"/>
+            <a:r>
+              <a:rPr lang="en-US" dirty="0" smtClean="0"/>
+              <a:t>Click to add text </a:t>
+            </a:r>
+          </a:p>
+        </p:txBody>
+      </p:sp>
+      <p:sp>
+        <p:nvSpPr>
+          <p:cNvPr id="35" name="Text Placeholder 3"/>
+          <p:cNvSpPr>
+            <a:spLocks noGrp="1"/>
+          </p:cNvSpPr>
+          <p:nvPr>
+            <p:ph type="body" sz="quarter" idx="26" hasCustomPrompt="1"/>
+          </p:nvPr>
+        </p:nvSpPr>
+        <p:spPr>
+          <a:xfrm>
+            <a:off x="6226800" y="4683936"/>
+            <a:ext cx="2503258" cy="1231106"/>
+          </a:xfrm>
+        </p:spPr>
+        <p:txBody>
+          <a:bodyPr lIns="182880" tIns="0" rIns="182880" bIns="0"/>
+          <a:lstStyle>
+            <a:lvl1pPr marL="0" indent="0" algn="ctr">
+              <a:spcBef>
+                <a:spcPts val="600"/>
+              </a:spcBef>
+              <a:buNone/>
+              <a:defRPr sz="2000" b="0" i="0">
+                <a:latin typeface="+mn-lt"/>
+                <a:ea typeface="Gotham Book" panose="02000604040000020004" pitchFamily="50" charset="0"/>
+                <a:cs typeface="Gotham Book" panose="02000604040000020004" pitchFamily="50" charset="0"/>
+              </a:defRPr>
+            </a:lvl1pPr>
+          </a:lstStyle>
+          <a:p>
+            <a:pPr lvl="0"/>
+            <a:r>
+              <a:rPr lang="en-US" dirty="0" smtClean="0"/>
+              <a:t>Click to add text </a:t>
+            </a:r>
+          </a:p>
+        </p:txBody>
+      </p:sp>
+      <p:sp>
+        <p:nvSpPr>
+          <p:cNvPr id="36" name="Text Placeholder 3"/>
+          <p:cNvSpPr>
+            <a:spLocks noGrp="1"/>
+          </p:cNvSpPr>
+          <p:nvPr>
+            <p:ph type="body" sz="quarter" idx="27" hasCustomPrompt="1"/>
+          </p:nvPr>
+        </p:nvSpPr>
+        <p:spPr>
+          <a:xfrm>
+            <a:off x="8991098" y="4683936"/>
+            <a:ext cx="2503258" cy="1231106"/>
+          </a:xfrm>
+        </p:spPr>
+        <p:txBody>
+          <a:bodyPr lIns="182880" tIns="0" rIns="182880" bIns="0"/>
+          <a:lstStyle>
+            <a:lvl1pPr marL="0" indent="0" algn="ctr">
+              <a:spcBef>
+                <a:spcPts val="600"/>
+              </a:spcBef>
+              <a:buNone/>
+              <a:defRPr sz="2000" b="0" i="0">
+                <a:latin typeface="+mn-lt"/>
+                <a:ea typeface="Gotham Book" panose="02000604040000020004" pitchFamily="50" charset="0"/>
+                <a:cs typeface="Gotham Book" panose="02000604040000020004" pitchFamily="50" charset="0"/>
+              </a:defRPr>
+            </a:lvl1pPr>
+          </a:lstStyle>
+          <a:p>
+            <a:pPr lvl="0"/>
+            <a:r>
+              <a:rPr lang="en-US" dirty="0" smtClean="0"/>
+              <a:t>Click to add text </a:t>
+            </a:r>
+          </a:p>
+        </p:txBody>
+      </p:sp>
+      <p:sp>
+        <p:nvSpPr>
+          <p:cNvPr id="12" name="Content Placeholder 11"/>
+          <p:cNvSpPr>
+            <a:spLocks noGrp="1"/>
+          </p:cNvSpPr>
+          <p:nvPr>
+            <p:ph sz="quarter" idx="12" hasCustomPrompt="1"/>
+          </p:nvPr>
+        </p:nvSpPr>
+        <p:spPr>
+          <a:xfrm>
+            <a:off x="695865" y="1831340"/>
             <a:ext cx="2503258" cy="2658533"/>
           </a:xfrm>
         </p:spPr>
@@ -9960,126 +10163,6 @@
             <a:r>
               <a:rPr lang="en-US" dirty="0" smtClean="0"/>
               <a:t>Click to add image</a:t>
-            </a:r>
-          </a:p>
-        </p:txBody>
-      </p:sp>
-      <p:sp>
-        <p:nvSpPr>
-          <p:cNvPr id="34" name="Text Placeholder 3"/>
-          <p:cNvSpPr>
-            <a:spLocks noGrp="1"/>
-          </p:cNvSpPr>
-          <p:nvPr>
-            <p:ph type="body" sz="quarter" idx="25" hasCustomPrompt="1"/>
-          </p:nvPr>
-        </p:nvSpPr>
-        <p:spPr>
-          <a:xfrm>
-            <a:off x="3464068" y="4683936"/>
-            <a:ext cx="2503258" cy="1231106"/>
-          </a:xfrm>
-        </p:spPr>
-        <p:txBody>
-          <a:bodyPr lIns="182880" tIns="0" rIns="182880" bIns="0"/>
-          <a:lstStyle>
-            <a:lvl1pPr marL="0" indent="0" algn="ctr">
-              <a:spcBef>
-                <a:spcPts val="600"/>
-              </a:spcBef>
-              <a:buNone/>
-              <a:defRPr sz="2000" b="0" i="0">
-                <a:latin typeface="+mn-lt"/>
-                <a:ea typeface="Gotham Book" panose="02000604040000020004" pitchFamily="50" charset="0"/>
-                <a:cs typeface="Gotham Book" panose="02000604040000020004" pitchFamily="50" charset="0"/>
-              </a:defRPr>
-            </a:lvl1pPr>
-          </a:lstStyle>
-          <a:p>
-            <a:pPr lvl="0"/>
-            <a:r>
-              <a:rPr lang="en-US" dirty="0" smtClean="0"/>
-              <a:t>Click to add text </a:t>
-            </a:r>
-          </a:p>
-        </p:txBody>
-      </p:sp>
-      <p:sp>
-        <p:nvSpPr>
-          <p:cNvPr id="35" name="Text Placeholder 3"/>
-          <p:cNvSpPr>
-            <a:spLocks noGrp="1"/>
-          </p:cNvSpPr>
-          <p:nvPr>
-            <p:ph type="body" sz="quarter" idx="26" hasCustomPrompt="1"/>
-          </p:nvPr>
-        </p:nvSpPr>
-        <p:spPr>
-          <a:xfrm>
-            <a:off x="6226800" y="4683936"/>
-            <a:ext cx="2503258" cy="1231106"/>
-          </a:xfrm>
-        </p:spPr>
-        <p:txBody>
-          <a:bodyPr lIns="182880" tIns="0" rIns="182880" bIns="0"/>
-          <a:lstStyle>
-            <a:lvl1pPr marL="0" indent="0" algn="ctr">
-              <a:spcBef>
-                <a:spcPts val="600"/>
-              </a:spcBef>
-              <a:buNone/>
-              <a:defRPr sz="2000" b="0" i="0">
-                <a:latin typeface="+mn-lt"/>
-                <a:ea typeface="Gotham Book" panose="02000604040000020004" pitchFamily="50" charset="0"/>
-                <a:cs typeface="Gotham Book" panose="02000604040000020004" pitchFamily="50" charset="0"/>
-              </a:defRPr>
-            </a:lvl1pPr>
-          </a:lstStyle>
-          <a:p>
-            <a:pPr lvl="0"/>
-            <a:r>
-              <a:rPr lang="en-US" dirty="0" smtClean="0"/>
-              <a:t>Click to add text </a:t>
-            </a:r>
-          </a:p>
-        </p:txBody>
-      </p:sp>
-      <p:sp>
-        <p:nvSpPr>
-          <p:cNvPr id="36" name="Text Placeholder 3"/>
-          <p:cNvSpPr>
-            <a:spLocks noGrp="1"/>
-          </p:cNvSpPr>
-          <p:nvPr>
-            <p:ph type="body" sz="quarter" idx="27" hasCustomPrompt="1"/>
-          </p:nvPr>
-        </p:nvSpPr>
-        <p:spPr>
-          <a:xfrm>
-            <a:off x="8991098" y="4683936"/>
-            <a:ext cx="2503258" cy="1231106"/>
-          </a:xfrm>
-        </p:spPr>
-        <p:txBody>
-          <a:bodyPr lIns="182880" tIns="0" rIns="182880" bIns="0"/>
-          <a:lstStyle>
-            <a:lvl1pPr marL="0" indent="0" algn="ctr">
-              <a:spcBef>
-                <a:spcPts val="600"/>
-              </a:spcBef>
-              <a:buNone/>
-              <a:defRPr sz="2000" b="0" i="0">
-                <a:latin typeface="+mn-lt"/>
-                <a:ea typeface="Gotham Book" panose="02000604040000020004" pitchFamily="50" charset="0"/>
-                <a:cs typeface="Gotham Book" panose="02000604040000020004" pitchFamily="50" charset="0"/>
-              </a:defRPr>
-            </a:lvl1pPr>
-          </a:lstStyle>
-          <a:p>
-            <a:pPr lvl="0"/>
-            <a:r>
-              <a:rPr lang="en-US" dirty="0" smtClean="0"/>
-              <a:t>Click to add text </a:t>
             </a:r>
           </a:p>
         </p:txBody>
@@ -10147,17 +10230,17 @@
       </p:grpSpPr>
       <p:sp>
         <p:nvSpPr>
-          <p:cNvPr id="12" name="Content Placeholder 11"/>
+          <p:cNvPr id="29" name="Content Placeholder 11"/>
           <p:cNvSpPr>
             <a:spLocks noGrp="1"/>
           </p:cNvSpPr>
           <p:nvPr>
-            <p:ph sz="quarter" idx="12" hasCustomPrompt="1"/>
+            <p:ph sz="quarter" idx="18" hasCustomPrompt="1"/>
           </p:nvPr>
         </p:nvSpPr>
         <p:spPr>
           <a:xfrm>
-            <a:off x="701336" y="1828800"/>
+            <a:off x="8163932" y="1828800"/>
             <a:ext cx="3311130" cy="1393959"/>
           </a:xfrm>
         </p:spPr>
@@ -10196,25 +10279,24 @@
       </p:sp>
       <p:sp>
         <p:nvSpPr>
-          <p:cNvPr id="15" name="Text Placeholder 3"/>
+          <p:cNvPr id="30" name="Text Placeholder 3"/>
           <p:cNvSpPr>
             <a:spLocks noGrp="1"/>
           </p:cNvSpPr>
           <p:nvPr>
-            <p:ph type="body" sz="quarter" idx="15" hasCustomPrompt="1"/>
+            <p:ph type="body" sz="quarter" idx="19" hasCustomPrompt="1"/>
           </p:nvPr>
         </p:nvSpPr>
         <p:spPr>
           <a:xfrm>
-            <a:off x="705974" y="3365945"/>
+            <a:off x="8168570" y="3365945"/>
             <a:ext cx="3296065" cy="472978"/>
           </a:xfrm>
         </p:spPr>
         <p:txBody>
           <a:bodyPr lIns="182880" tIns="0" rIns="182880" bIns="0"/>
           <a:lstStyle>
-            <a:lvl1pPr marL="0" indent="0" algn="ctr">
-              <a:buNone/>
+            <a:lvl1pPr algn="ctr">
               <a:defRPr sz="2000" b="0" i="0">
                 <a:latin typeface="+mn-lt"/>
                 <a:ea typeface="Gotham Book" panose="02000604040000020004" pitchFamily="50" charset="0"/>
@@ -10228,22 +10310,23 @@
               <a:rPr lang="en-US" dirty="0" smtClean="0"/>
               <a:t>Click to add text</a:t>
             </a:r>
+            <a:endParaRPr lang="en-US" dirty="0"/>
           </a:p>
         </p:txBody>
       </p:sp>
       <p:sp>
         <p:nvSpPr>
-          <p:cNvPr id="27" name="Content Placeholder 11"/>
+          <p:cNvPr id="35" name="Content Placeholder 11"/>
           <p:cNvSpPr>
             <a:spLocks noGrp="1"/>
           </p:cNvSpPr>
           <p:nvPr>
-            <p:ph sz="quarter" idx="16" hasCustomPrompt="1"/>
+            <p:ph sz="quarter" idx="24" hasCustomPrompt="1"/>
           </p:nvPr>
         </p:nvSpPr>
         <p:spPr>
           <a:xfrm>
-            <a:off x="8174359" y="1828800"/>
+            <a:off x="8163932" y="4026037"/>
             <a:ext cx="3311130" cy="1393959"/>
           </a:xfrm>
         </p:spPr>
@@ -10282,17 +10365,17 @@
       </p:sp>
       <p:sp>
         <p:nvSpPr>
-          <p:cNvPr id="28" name="Text Placeholder 3"/>
+          <p:cNvPr id="36" name="Text Placeholder 3"/>
           <p:cNvSpPr>
             <a:spLocks noGrp="1"/>
           </p:cNvSpPr>
           <p:nvPr>
-            <p:ph type="body" sz="quarter" idx="17" hasCustomPrompt="1"/>
+            <p:ph type="body" sz="quarter" idx="25" hasCustomPrompt="1"/>
           </p:nvPr>
         </p:nvSpPr>
         <p:spPr>
           <a:xfrm>
-            <a:off x="8178997" y="3365945"/>
+            <a:off x="4437272" y="5563182"/>
             <a:ext cx="3296065" cy="472978"/>
           </a:xfrm>
         </p:spPr>
@@ -10319,17 +10402,17 @@
       </p:sp>
       <p:sp>
         <p:nvSpPr>
-          <p:cNvPr id="29" name="Content Placeholder 11"/>
+          <p:cNvPr id="12" name="Content Placeholder 11"/>
           <p:cNvSpPr>
             <a:spLocks noGrp="1"/>
           </p:cNvSpPr>
           <p:nvPr>
-            <p:ph sz="quarter" idx="18" hasCustomPrompt="1"/>
+            <p:ph sz="quarter" idx="12" hasCustomPrompt="1"/>
           </p:nvPr>
         </p:nvSpPr>
         <p:spPr>
           <a:xfrm>
-            <a:off x="4449647" y="1828800"/>
+            <a:off x="701336" y="1828800"/>
             <a:ext cx="3311130" cy="1393959"/>
           </a:xfrm>
         </p:spPr>
@@ -10368,24 +10451,25 @@
       </p:sp>
       <p:sp>
         <p:nvSpPr>
-          <p:cNvPr id="30" name="Text Placeholder 3"/>
+          <p:cNvPr id="15" name="Text Placeholder 3"/>
           <p:cNvSpPr>
             <a:spLocks noGrp="1"/>
           </p:cNvSpPr>
           <p:nvPr>
-            <p:ph type="body" sz="quarter" idx="19" hasCustomPrompt="1"/>
+            <p:ph type="body" sz="quarter" idx="15" hasCustomPrompt="1"/>
           </p:nvPr>
         </p:nvSpPr>
         <p:spPr>
           <a:xfrm>
-            <a:off x="4454285" y="3365945"/>
+            <a:off x="705974" y="3365945"/>
             <a:ext cx="3296065" cy="472978"/>
           </a:xfrm>
         </p:spPr>
         <p:txBody>
           <a:bodyPr lIns="182880" tIns="0" rIns="182880" bIns="0"/>
           <a:lstStyle>
-            <a:lvl1pPr algn="ctr">
+            <a:lvl1pPr marL="0" indent="0" algn="ctr">
+              <a:buNone/>
               <a:defRPr sz="2000" b="0" i="0">
                 <a:latin typeface="+mn-lt"/>
                 <a:ea typeface="Gotham Book" panose="02000604040000020004" pitchFamily="50" charset="0"/>
@@ -10399,23 +10483,22 @@
               <a:rPr lang="en-US" dirty="0" smtClean="0"/>
               <a:t>Click to add text</a:t>
             </a:r>
-            <a:endParaRPr lang="en-US" dirty="0"/>
           </a:p>
         </p:txBody>
       </p:sp>
       <p:sp>
         <p:nvSpPr>
-          <p:cNvPr id="31" name="Content Placeholder 11"/>
+          <p:cNvPr id="27" name="Content Placeholder 11"/>
           <p:cNvSpPr>
             <a:spLocks noGrp="1"/>
           </p:cNvSpPr>
           <p:nvPr>
-            <p:ph sz="quarter" idx="20" hasCustomPrompt="1"/>
+            <p:ph sz="quarter" idx="16" hasCustomPrompt="1"/>
           </p:nvPr>
         </p:nvSpPr>
         <p:spPr>
           <a:xfrm>
-            <a:off x="701336" y="4026037"/>
+            <a:off x="4443061" y="1828800"/>
             <a:ext cx="3311130" cy="1393959"/>
           </a:xfrm>
         </p:spPr>
@@ -10454,17 +10537,17 @@
       </p:sp>
       <p:sp>
         <p:nvSpPr>
-          <p:cNvPr id="32" name="Text Placeholder 3"/>
+          <p:cNvPr id="28" name="Text Placeholder 3"/>
           <p:cNvSpPr>
             <a:spLocks noGrp="1"/>
           </p:cNvSpPr>
           <p:nvPr>
-            <p:ph type="body" sz="quarter" idx="21" hasCustomPrompt="1"/>
+            <p:ph type="body" sz="quarter" idx="17" hasCustomPrompt="1"/>
           </p:nvPr>
         </p:nvSpPr>
         <p:spPr>
           <a:xfrm>
-            <a:off x="705974" y="5563182"/>
+            <a:off x="4447699" y="3365945"/>
             <a:ext cx="3296065" cy="472978"/>
           </a:xfrm>
         </p:spPr>
@@ -10491,17 +10574,17 @@
       </p:sp>
       <p:sp>
         <p:nvSpPr>
-          <p:cNvPr id="33" name="Content Placeholder 11"/>
+          <p:cNvPr id="31" name="Content Placeholder 11"/>
           <p:cNvSpPr>
             <a:spLocks noGrp="1"/>
           </p:cNvSpPr>
           <p:nvPr>
-            <p:ph sz="quarter" idx="22" hasCustomPrompt="1"/>
+            <p:ph sz="quarter" idx="20" hasCustomPrompt="1"/>
           </p:nvPr>
         </p:nvSpPr>
         <p:spPr>
           <a:xfrm>
-            <a:off x="8174359" y="4026037"/>
+            <a:off x="701336" y="4026037"/>
             <a:ext cx="3311130" cy="1393959"/>
           </a:xfrm>
         </p:spPr>
@@ -10540,17 +10623,17 @@
       </p:sp>
       <p:sp>
         <p:nvSpPr>
-          <p:cNvPr id="34" name="Text Placeholder 3"/>
+          <p:cNvPr id="32" name="Text Placeholder 3"/>
           <p:cNvSpPr>
             <a:spLocks noGrp="1"/>
           </p:cNvSpPr>
           <p:nvPr>
-            <p:ph type="body" sz="quarter" idx="23" hasCustomPrompt="1"/>
+            <p:ph type="body" sz="quarter" idx="21" hasCustomPrompt="1"/>
           </p:nvPr>
         </p:nvSpPr>
         <p:spPr>
           <a:xfrm>
-            <a:off x="8178997" y="5563182"/>
+            <a:off x="705974" y="5563182"/>
             <a:ext cx="3296065" cy="472978"/>
           </a:xfrm>
         </p:spPr>
@@ -10577,17 +10660,17 @@
       </p:sp>
       <p:sp>
         <p:nvSpPr>
-          <p:cNvPr id="35" name="Content Placeholder 11"/>
+          <p:cNvPr id="33" name="Content Placeholder 11"/>
           <p:cNvSpPr>
             <a:spLocks noGrp="1"/>
           </p:cNvSpPr>
           <p:nvPr>
-            <p:ph sz="quarter" idx="24" hasCustomPrompt="1"/>
+            <p:ph sz="quarter" idx="22" hasCustomPrompt="1"/>
           </p:nvPr>
         </p:nvSpPr>
         <p:spPr>
           <a:xfrm>
-            <a:off x="4449647" y="4026037"/>
+            <a:off x="4443061" y="4026037"/>
             <a:ext cx="3311130" cy="1393959"/>
           </a:xfrm>
         </p:spPr>
@@ -10626,17 +10709,17 @@
       </p:sp>
       <p:sp>
         <p:nvSpPr>
-          <p:cNvPr id="36" name="Text Placeholder 3"/>
+          <p:cNvPr id="34" name="Text Placeholder 3"/>
           <p:cNvSpPr>
             <a:spLocks noGrp="1"/>
           </p:cNvSpPr>
           <p:nvPr>
-            <p:ph type="body" sz="quarter" idx="25" hasCustomPrompt="1"/>
+            <p:ph type="body" sz="quarter" idx="23" hasCustomPrompt="1"/>
           </p:nvPr>
         </p:nvSpPr>
         <p:spPr>
           <a:xfrm>
-            <a:off x="4454285" y="5563182"/>
+            <a:off x="8178997" y="5563182"/>
             <a:ext cx="3296065" cy="472978"/>
           </a:xfrm>
         </p:spPr>
@@ -10692,7 +10775,11 @@
           <a:p>
             <a:r>
               <a:rPr lang="en-US" dirty="0" smtClean="0"/>
-              <a:t>Click to Add Slide Title in Title Case</a:t>
+              <a:t>Click to Add Slide Title in </a:t>
+            </a:r>
+            <a:r>
+              <a:rPr lang="en-US" dirty="0" err="1" smtClean="0"/>
+              <a:t>Titlecase</a:t>
             </a:r>
             <a:endParaRPr lang="en-US" dirty="0"/>
           </a:p>
@@ -10880,7 +10967,11 @@
           <a:p>
             <a:r>
               <a:rPr lang="en-US" dirty="0" smtClean="0"/>
-              <a:t>Click to Add Slide Title in Title Case</a:t>
+              <a:t>Click to Add Slide Title in </a:t>
+            </a:r>
+            <a:r>
+              <a:rPr lang="en-US" dirty="0" err="1" smtClean="0"/>
+              <a:t>Titlecase</a:t>
             </a:r>
             <a:endParaRPr lang="en-US" dirty="0"/>
           </a:p>
@@ -11402,7 +11493,7 @@
         <a:srgbClr val="9BC850"/>
       </a:accent5>
       <a:accent6>
-        <a:srgbClr val="6853B7"/>
+        <a:srgbClr val="675BA7"/>
       </a:accent6>
       <a:hlink>
         <a:srgbClr val="2A9FBC"/>
@@ -11597,10 +11688,13 @@
         </a:ln>
         <a:effectLst/>
       </a:spPr>
-      <a:bodyPr rtlCol="0" anchor="ctr"/>
+      <a:bodyPr lIns="182880" tIns="182880" rIns="182880" bIns="182880" rtlCol="0" anchor="ctr"/>
       <a:lstStyle>
         <a:defPPr algn="ctr">
-          <a:defRPr sz="2000" dirty="0" err="1" smtClean="0">
+          <a:spcBef>
+            <a:spcPts val="600"/>
+          </a:spcBef>
+          <a:defRPr sz="2000" dirty="0" smtClean="0">
             <a:solidFill>
               <a:schemeClr val="bg1"/>
             </a:solidFill>
@@ -11667,7 +11761,7 @@
   <a:extraClrSchemeLst/>
   <a:extLst>
     <a:ext uri="{05A4C25C-085E-4340-85A3-A5531E510DB2}">
-      <thm15:themeFamily xmlns:thm15="http://schemas.microsoft.com/office/thememl/2012/main" name="PS_AuthorDeck_BETA_v6c.pptx" id="{D117A9AA-621D-421D-8221-7382F85A3ACA}" vid="{3FF5DCCD-63E0-4816-AABC-1FD10EBFBF5A}"/>
+      <thm15:themeFamily xmlns:thm15="http://schemas.microsoft.com/office/thememl/2012/main" name="Presentation1" id="{5B0143C8-13E6-454A-9299-B512B23402E9}" vid="{AB3F2E47-C8B3-4312-A86B-A41F7BC38B8E}"/>
     </a:ext>
   </a:extLst>
 </a:theme>
